--- a/02-introduction-presentation/methods.pptx
+++ b/02-introduction-presentation/methods.pptx
@@ -5,15 +5,16 @@
     <p:sldMasterId id="2147483648" r:id="rId1"/>
   </p:sldMasterIdLst>
   <p:notesMasterIdLst>
-    <p:notesMasterId r:id="rId5"/>
+    <p:notesMasterId r:id="rId6"/>
   </p:notesMasterIdLst>
   <p:handoutMasterIdLst>
-    <p:handoutMasterId r:id="rId6"/>
+    <p:handoutMasterId r:id="rId7"/>
   </p:handoutMasterIdLst>
   <p:sldIdLst>
     <p:sldId id="259" r:id="rId2"/>
-    <p:sldId id="260" r:id="rId3"/>
-    <p:sldId id="261" r:id="rId4"/>
+    <p:sldId id="262" r:id="rId3"/>
+    <p:sldId id="260" r:id="rId4"/>
+    <p:sldId id="261" r:id="rId5"/>
   </p:sldIdLst>
   <p:sldSz cx="9144000" cy="6858000" type="screen4x3"/>
   <p:notesSz cx="6858000" cy="9144000"/>
@@ -118,6 +119,7 @@
         <p14:section name="Standardabschnitt" id="{F40A5D0B-1603-43F9-9E54-D260B8E47FF9}">
           <p14:sldIdLst>
             <p14:sldId id="259"/>
+            <p14:sldId id="262"/>
             <p14:sldId id="260"/>
             <p14:sldId id="261"/>
           </p14:sldIdLst>
@@ -162,6 +164,13 @@
     <p:extLst>
       <p:ext uri="{19B8F6BF-5375-455C-9EA6-DF929625EA0E}">
         <p15:presenceInfo xmlns:p15="http://schemas.microsoft.com/office/powerpoint/2012/main" userId="ASDF" providerId="None"/>
+      </p:ext>
+    </p:extLst>
+  </p:cmAuthor>
+  <p:cmAuthor id="2" name="Jakob" initials="J" lastIdx="1" clrIdx="1">
+    <p:extLst>
+      <p:ext uri="{19B8F6BF-5375-455C-9EA6-DF929625EA0E}">
+        <p15:presenceInfo xmlns:p15="http://schemas.microsoft.com/office/powerpoint/2012/main" userId="Jakob" providerId="None"/>
       </p:ext>
     </p:extLst>
   </p:cmAuthor>
@@ -2532,7 +2541,12 @@
             <p:ph sz="half" idx="1"/>
           </p:nvPr>
         </p:nvSpPr>
-        <p:spPr/>
+        <p:spPr>
+          <a:xfrm>
+            <a:off x="1331640" y="2340000"/>
+            <a:ext cx="7200800" cy="3960440"/>
+          </a:xfrm>
+        </p:spPr>
         <p:txBody>
           <a:bodyPr>
             <a:normAutofit/>
@@ -2566,21 +2580,15 @@
             </a:r>
           </a:p>
           <a:p>
+            <a:pPr indent="0"/>
+            <a:endParaRPr lang="de-DE" dirty="0"/>
+          </a:p>
+          <a:p>
             <a:pPr marL="342900">
               <a:buFontTx/>
               <a:buChar char="-"/>
             </a:pPr>
             <a:endParaRPr lang="de-DE" dirty="0"/>
-          </a:p>
-          <a:p>
-            <a:pPr marL="342900">
-              <a:buFontTx/>
-              <a:buChar char="-"/>
-            </a:pPr>
-            <a:r>
-              <a:rPr lang="de-DE" dirty="0"/>
-              <a:t>Designing a python application to intercept data between OptiTrack and Unity</a:t>
-            </a:r>
           </a:p>
         </p:txBody>
       </p:sp>
@@ -2610,6 +2618,86 @@
               <a:t>1</a:t>
             </a:fld>
             <a:endParaRPr lang="de-DE" dirty="0"/>
+          </a:p>
+        </p:txBody>
+      </p:sp>
+      <p:pic>
+        <p:nvPicPr>
+          <p:cNvPr id="8" name="Picture 7">
+            <a:extLst>
+              <a:ext uri="{FF2B5EF4-FFF2-40B4-BE49-F238E27FC236}">
+                <a16:creationId xmlns:a16="http://schemas.microsoft.com/office/drawing/2014/main" id="{85981545-08E7-43F9-9597-DFA823C04DE6}"/>
+              </a:ext>
+            </a:extLst>
+          </p:cNvPr>
+          <p:cNvPicPr>
+            <a:picLocks noChangeAspect="1"/>
+          </p:cNvPicPr>
+          <p:nvPr/>
+        </p:nvPicPr>
+        <p:blipFill>
+          <a:blip r:embed="rId2" cstate="print">
+            <a:extLst>
+              <a:ext uri="{BEBA8EAE-BF5A-486C-A8C5-ECC9F3942E4B}">
+                <a14:imgProps xmlns:a14="http://schemas.microsoft.com/office/drawing/2010/main">
+                  <a14:imgLayer r:embed="rId3">
+                    <a14:imgEffect>
+                      <a14:brightnessContrast contrast="-1000"/>
+                    </a14:imgEffect>
+                  </a14:imgLayer>
+                </a14:imgProps>
+              </a:ext>
+              <a:ext uri="{28A0092B-C50C-407E-A947-70E740481C1C}">
+                <a14:useLocalDpi xmlns:a14="http://schemas.microsoft.com/office/drawing/2010/main" val="0"/>
+              </a:ext>
+            </a:extLst>
+          </a:blip>
+          <a:stretch>
+            <a:fillRect/>
+          </a:stretch>
+        </p:blipFill>
+        <p:spPr>
+          <a:xfrm>
+            <a:off x="2411760" y="3823089"/>
+            <a:ext cx="4460926" cy="2509272"/>
+          </a:xfrm>
+          <a:prstGeom prst="rect">
+            <a:avLst/>
+          </a:prstGeom>
+        </p:spPr>
+      </p:pic>
+      <p:sp>
+        <p:nvSpPr>
+          <p:cNvPr id="9" name="TextBox 8">
+            <a:extLst>
+              <a:ext uri="{FF2B5EF4-FFF2-40B4-BE49-F238E27FC236}">
+                <a16:creationId xmlns:a16="http://schemas.microsoft.com/office/drawing/2014/main" id="{D6C051C6-A5F7-47E7-BF55-B5F402186142}"/>
+              </a:ext>
+            </a:extLst>
+          </p:cNvPr>
+          <p:cNvSpPr txBox="1"/>
+          <p:nvPr/>
+        </p:nvSpPr>
+        <p:spPr>
+          <a:xfrm>
+            <a:off x="2339752" y="6385023"/>
+            <a:ext cx="2894767" cy="307777"/>
+          </a:xfrm>
+          <a:prstGeom prst="rect">
+            <a:avLst/>
+          </a:prstGeom>
+          <a:noFill/>
+        </p:spPr>
+        <p:txBody>
+          <a:bodyPr wrap="none" rtlCol="0">
+            <a:spAutoFit/>
+          </a:bodyPr>
+          <a:lstStyle/>
+          <a:p>
+            <a:r>
+              <a:rPr lang="de-DE" sz="1400" dirty="0"/>
+              <a:t>Image Source: https://optitrack.com/</a:t>
+            </a:r>
           </a:p>
         </p:txBody>
       </p:sp>
@@ -2645,10 +2733,10 @@
       </p:grpSpPr>
       <p:sp>
         <p:nvSpPr>
-          <p:cNvPr id="2" name="Title 1">
+          <p:cNvPr id="2" name="Titel 1">
             <a:extLst>
               <a:ext uri="{FF2B5EF4-FFF2-40B4-BE49-F238E27FC236}">
-                <a16:creationId xmlns:a16="http://schemas.microsoft.com/office/drawing/2014/main" id="{FF4BDE33-65AF-49B6-B4A1-783544BD4B10}"/>
+                <a16:creationId xmlns:a16="http://schemas.microsoft.com/office/drawing/2014/main" id="{2A42FEB0-5048-4439-BF38-0C19C3532315}"/>
               </a:ext>
             </a:extLst>
           </p:cNvPr>
@@ -2666,17 +2754,17 @@
           <a:p>
             <a:r>
               <a:rPr lang="de-DE" dirty="0"/>
-              <a:t>Methods: Step 2</a:t>
-            </a:r>
-          </a:p>
-        </p:txBody>
-      </p:sp>
-      <p:sp>
-        <p:nvSpPr>
-          <p:cNvPr id="3" name="Content Placeholder 2">
+              <a:t>Methods: Step 1</a:t>
+            </a:r>
+          </a:p>
+        </p:txBody>
+      </p:sp>
+      <p:sp>
+        <p:nvSpPr>
+          <p:cNvPr id="3" name="Inhaltsplatzhalter 2">
             <a:extLst>
               <a:ext uri="{FF2B5EF4-FFF2-40B4-BE49-F238E27FC236}">
-                <a16:creationId xmlns:a16="http://schemas.microsoft.com/office/drawing/2014/main" id="{C0254029-A9E0-4EF5-8275-BC19D401AADA}"/>
+                <a16:creationId xmlns:a16="http://schemas.microsoft.com/office/drawing/2014/main" id="{03FEB977-598D-486E-84D8-0D0D6281A22B}"/>
               </a:ext>
             </a:extLst>
           </p:cNvPr>
@@ -2687,80 +2775,56 @@
             <p:ph sz="half" idx="1"/>
           </p:nvPr>
         </p:nvSpPr>
-        <p:spPr/>
-        <p:txBody>
-          <a:bodyPr/>
+        <p:spPr>
+          <a:xfrm>
+            <a:off x="1331640" y="2340000"/>
+            <a:ext cx="7200800" cy="3960440"/>
+          </a:xfrm>
+        </p:spPr>
+        <p:txBody>
+          <a:bodyPr>
+            <a:normAutofit/>
+          </a:bodyPr>
           <a:lstStyle/>
           <a:p>
-            <a:pPr>
+            <a:pPr marL="342900">
               <a:buFontTx/>
               <a:buChar char="-"/>
             </a:pPr>
             <a:r>
               <a:rPr lang="de-DE" dirty="0"/>
-              <a:t>Creating and training the neuronal network models</a:t>
-            </a:r>
-          </a:p>
-          <a:p>
-            <a:pPr>
+              <a:t>Designing a python application to intercept data between OptiTrack and Unity</a:t>
+            </a:r>
+          </a:p>
+          <a:p>
+            <a:pPr marL="342900">
               <a:buFontTx/>
               <a:buChar char="-"/>
             </a:pPr>
             <a:endParaRPr lang="de-DE" dirty="0"/>
           </a:p>
           <a:p>
-            <a:pPr>
-              <a:buFontTx/>
-              <a:buChar char="-"/>
-            </a:pPr>
-            <a:r>
-              <a:rPr lang="de-DE" dirty="0"/>
-              <a:t>Validating predictions with already gathered data</a:t>
-            </a:r>
-          </a:p>
-          <a:p>
-            <a:pPr>
+            <a:pPr marL="342900">
               <a:buFontTx/>
               <a:buChar char="-"/>
             </a:pPr>
             <a:endParaRPr lang="de-DE" dirty="0"/>
           </a:p>
           <a:p>
-            <a:pPr>
-              <a:buFontTx/>
-              <a:buChar char="-"/>
-            </a:pPr>
-            <a:r>
-              <a:rPr lang="de-DE" dirty="0"/>
-              <a:t>Tuning of the hyperparameters</a:t>
-            </a:r>
-          </a:p>
-          <a:p>
-            <a:pPr>
+            <a:pPr marL="342900">
               <a:buFontTx/>
               <a:buChar char="-"/>
             </a:pPr>
             <a:endParaRPr lang="de-DE" dirty="0"/>
           </a:p>
-          <a:p>
-            <a:pPr>
-              <a:buFontTx/>
-              <a:buChar char="-"/>
-            </a:pPr>
-            <a:r>
-              <a:rPr lang="en-US" dirty="0"/>
-              <a:t>Creation of a Unity application to display the data collected via motion capturing and adapted with the help of the NN</a:t>
-            </a:r>
-            <a:endParaRPr lang="de-DE" dirty="0"/>
-          </a:p>
-        </p:txBody>
-      </p:sp>
-      <p:sp>
-        <p:nvSpPr>
-          <p:cNvPr id="4" name="Slide Number Placeholder 3">
+        </p:txBody>
+      </p:sp>
+      <p:sp>
+        <p:nvSpPr>
+          <p:cNvPr id="4" name="Foliennummernplatzhalter 3">
             <a:extLst>
               <a:ext uri="{FF2B5EF4-FFF2-40B4-BE49-F238E27FC236}">
-                <a16:creationId xmlns:a16="http://schemas.microsoft.com/office/drawing/2014/main" id="{2CFB653B-07A3-4B79-BF99-035054D0A3B4}"/>
+                <a16:creationId xmlns:a16="http://schemas.microsoft.com/office/drawing/2014/main" id="{4FCFF55B-CB17-417D-97C3-58B0E9907247}"/>
               </a:ext>
             </a:extLst>
           </p:cNvPr>
@@ -2784,10 +2848,378 @@
           </a:p>
         </p:txBody>
       </p:sp>
+      <p:sp>
+        <p:nvSpPr>
+          <p:cNvPr id="6" name="Rechteck: abgerundete Ecken 4">
+            <a:extLst>
+              <a:ext uri="{FF2B5EF4-FFF2-40B4-BE49-F238E27FC236}">
+                <a16:creationId xmlns:a16="http://schemas.microsoft.com/office/drawing/2014/main" id="{78738234-08AF-46D1-9C40-680E4EFD762D}"/>
+              </a:ext>
+            </a:extLst>
+          </p:cNvPr>
+          <p:cNvSpPr/>
+          <p:nvPr/>
+        </p:nvSpPr>
+        <p:spPr>
+          <a:xfrm>
+            <a:off x="1259632" y="4002656"/>
+            <a:ext cx="1800200" cy="504056"/>
+          </a:xfrm>
+          <a:prstGeom prst="roundRect">
+            <a:avLst/>
+          </a:prstGeom>
+        </p:spPr>
+        <p:style>
+          <a:lnRef idx="2">
+            <a:schemeClr val="accent1">
+              <a:shade val="50000"/>
+            </a:schemeClr>
+          </a:lnRef>
+          <a:fillRef idx="1">
+            <a:schemeClr val="accent1"/>
+          </a:fillRef>
+          <a:effectRef idx="0">
+            <a:schemeClr val="accent1"/>
+          </a:effectRef>
+          <a:fontRef idx="minor">
+            <a:schemeClr val="lt1"/>
+          </a:fontRef>
+        </p:style>
+        <p:txBody>
+          <a:bodyPr rtlCol="0" anchor="ctr"/>
+          <a:lstStyle/>
+          <a:p>
+            <a:pPr algn="ctr"/>
+            <a:r>
+              <a:rPr lang="de-DE" dirty="0" err="1"/>
+              <a:t>OptiTrack</a:t>
+            </a:r>
+            <a:endParaRPr lang="de-DE" dirty="0"/>
+          </a:p>
+        </p:txBody>
+      </p:sp>
+      <p:sp>
+        <p:nvSpPr>
+          <p:cNvPr id="7" name="Rechteck: abgerundete Ecken 5">
+            <a:extLst>
+              <a:ext uri="{FF2B5EF4-FFF2-40B4-BE49-F238E27FC236}">
+                <a16:creationId xmlns:a16="http://schemas.microsoft.com/office/drawing/2014/main" id="{6457108E-F13E-4894-B32B-3C04BC8F6200}"/>
+              </a:ext>
+            </a:extLst>
+          </p:cNvPr>
+          <p:cNvSpPr/>
+          <p:nvPr/>
+        </p:nvSpPr>
+        <p:spPr>
+          <a:xfrm>
+            <a:off x="3851920" y="4002656"/>
+            <a:ext cx="1800200" cy="504056"/>
+          </a:xfrm>
+          <a:prstGeom prst="roundRect">
+            <a:avLst/>
+          </a:prstGeom>
+        </p:spPr>
+        <p:style>
+          <a:lnRef idx="2">
+            <a:schemeClr val="accent2">
+              <a:shade val="50000"/>
+            </a:schemeClr>
+          </a:lnRef>
+          <a:fillRef idx="1">
+            <a:schemeClr val="accent2"/>
+          </a:fillRef>
+          <a:effectRef idx="0">
+            <a:schemeClr val="accent2"/>
+          </a:effectRef>
+          <a:fontRef idx="minor">
+            <a:schemeClr val="lt1"/>
+          </a:fontRef>
+        </p:style>
+        <p:txBody>
+          <a:bodyPr rtlCol="0" anchor="ctr"/>
+          <a:lstStyle/>
+          <a:p>
+            <a:pPr algn="ctr"/>
+            <a:r>
+              <a:rPr lang="de-DE" dirty="0"/>
+              <a:t>Python-Interface</a:t>
+            </a:r>
+          </a:p>
+        </p:txBody>
+      </p:sp>
+      <p:sp>
+        <p:nvSpPr>
+          <p:cNvPr id="9" name="Rechteck: abgerundete Ecken 6">
+            <a:extLst>
+              <a:ext uri="{FF2B5EF4-FFF2-40B4-BE49-F238E27FC236}">
+                <a16:creationId xmlns:a16="http://schemas.microsoft.com/office/drawing/2014/main" id="{B4EC5A1A-F064-4C98-8FB3-188FCAE31617}"/>
+              </a:ext>
+            </a:extLst>
+          </p:cNvPr>
+          <p:cNvSpPr/>
+          <p:nvPr/>
+        </p:nvSpPr>
+        <p:spPr>
+          <a:xfrm>
+            <a:off x="6444208" y="4002656"/>
+            <a:ext cx="1800200" cy="504056"/>
+          </a:xfrm>
+          <a:prstGeom prst="roundRect">
+            <a:avLst/>
+          </a:prstGeom>
+        </p:spPr>
+        <p:style>
+          <a:lnRef idx="2">
+            <a:schemeClr val="accent1">
+              <a:shade val="50000"/>
+            </a:schemeClr>
+          </a:lnRef>
+          <a:fillRef idx="1">
+            <a:schemeClr val="accent1"/>
+          </a:fillRef>
+          <a:effectRef idx="0">
+            <a:schemeClr val="accent1"/>
+          </a:effectRef>
+          <a:fontRef idx="minor">
+            <a:schemeClr val="lt1"/>
+          </a:fontRef>
+        </p:style>
+        <p:txBody>
+          <a:bodyPr rtlCol="0" anchor="ctr"/>
+          <a:lstStyle/>
+          <a:p>
+            <a:pPr algn="ctr"/>
+            <a:r>
+              <a:rPr lang="de-DE" dirty="0"/>
+              <a:t>Unity</a:t>
+            </a:r>
+          </a:p>
+        </p:txBody>
+      </p:sp>
+      <p:sp>
+        <p:nvSpPr>
+          <p:cNvPr id="10" name="Rechteck: abgerundete Ecken 7">
+            <a:extLst>
+              <a:ext uri="{FF2B5EF4-FFF2-40B4-BE49-F238E27FC236}">
+                <a16:creationId xmlns:a16="http://schemas.microsoft.com/office/drawing/2014/main" id="{07D409BC-E8CA-4329-B0C5-F9FDD22A7288}"/>
+              </a:ext>
+            </a:extLst>
+          </p:cNvPr>
+          <p:cNvSpPr/>
+          <p:nvPr/>
+        </p:nvSpPr>
+        <p:spPr>
+          <a:xfrm>
+            <a:off x="3851920" y="5013176"/>
+            <a:ext cx="1800200" cy="504056"/>
+          </a:xfrm>
+          <a:prstGeom prst="roundRect">
+            <a:avLst/>
+          </a:prstGeom>
+        </p:spPr>
+        <p:style>
+          <a:lnRef idx="2">
+            <a:schemeClr val="accent2">
+              <a:shade val="50000"/>
+            </a:schemeClr>
+          </a:lnRef>
+          <a:fillRef idx="1">
+            <a:schemeClr val="accent2"/>
+          </a:fillRef>
+          <a:effectRef idx="0">
+            <a:schemeClr val="accent2"/>
+          </a:effectRef>
+          <a:fontRef idx="minor">
+            <a:schemeClr val="lt1"/>
+          </a:fontRef>
+        </p:style>
+        <p:txBody>
+          <a:bodyPr rtlCol="0" anchor="ctr"/>
+          <a:lstStyle/>
+          <a:p>
+            <a:pPr algn="ctr"/>
+            <a:r>
+              <a:rPr lang="de-DE" dirty="0" err="1"/>
+              <a:t>Prediction</a:t>
+            </a:r>
+            <a:endParaRPr lang="de-DE" dirty="0"/>
+          </a:p>
+        </p:txBody>
+      </p:sp>
+      <p:cxnSp>
+        <p:nvCxnSpPr>
+          <p:cNvPr id="11" name="Verbinder: gewinkelt 11">
+            <a:extLst>
+              <a:ext uri="{FF2B5EF4-FFF2-40B4-BE49-F238E27FC236}">
+                <a16:creationId xmlns:a16="http://schemas.microsoft.com/office/drawing/2014/main" id="{92307274-492E-49BE-96B9-BC405DFF8145}"/>
+              </a:ext>
+            </a:extLst>
+          </p:cNvPr>
+          <p:cNvCxnSpPr>
+            <a:stCxn id="6" idx="0"/>
+            <a:endCxn id="9" idx="0"/>
+          </p:cNvCxnSpPr>
+          <p:nvPr/>
+        </p:nvCxnSpPr>
+        <p:spPr>
+          <a:xfrm rot="5400000" flipH="1" flipV="1">
+            <a:off x="4752020" y="1410368"/>
+            <a:ext cx="12700" cy="5184576"/>
+          </a:xfrm>
+          <a:prstGeom prst="bentConnector3">
+            <a:avLst>
+              <a:gd name="adj1" fmla="val 1800000"/>
+            </a:avLst>
+          </a:prstGeom>
+          <a:ln>
+            <a:tailEnd type="triangle"/>
+          </a:ln>
+        </p:spPr>
+        <p:style>
+          <a:lnRef idx="2">
+            <a:schemeClr val="accent1"/>
+          </a:lnRef>
+          <a:fillRef idx="0">
+            <a:schemeClr val="accent1"/>
+          </a:fillRef>
+          <a:effectRef idx="1">
+            <a:schemeClr val="accent1"/>
+          </a:effectRef>
+          <a:fontRef idx="minor">
+            <a:schemeClr val="tx1"/>
+          </a:fontRef>
+        </p:style>
+      </p:cxnSp>
+      <p:cxnSp>
+        <p:nvCxnSpPr>
+          <p:cNvPr id="12" name="Gerade Verbindung mit Pfeil 13">
+            <a:extLst>
+              <a:ext uri="{FF2B5EF4-FFF2-40B4-BE49-F238E27FC236}">
+                <a16:creationId xmlns:a16="http://schemas.microsoft.com/office/drawing/2014/main" id="{BEB07F03-61E8-41DD-BA10-1247684329C3}"/>
+              </a:ext>
+            </a:extLst>
+          </p:cNvPr>
+          <p:cNvCxnSpPr>
+            <a:stCxn id="6" idx="3"/>
+            <a:endCxn id="7" idx="1"/>
+          </p:cNvCxnSpPr>
+          <p:nvPr/>
+        </p:nvCxnSpPr>
+        <p:spPr>
+          <a:xfrm>
+            <a:off x="3059832" y="4254684"/>
+            <a:ext cx="792088" cy="0"/>
+          </a:xfrm>
+          <a:prstGeom prst="straightConnector1">
+            <a:avLst/>
+          </a:prstGeom>
+          <a:ln>
+            <a:tailEnd type="triangle"/>
+          </a:ln>
+        </p:spPr>
+        <p:style>
+          <a:lnRef idx="2">
+            <a:schemeClr val="accent2"/>
+          </a:lnRef>
+          <a:fillRef idx="0">
+            <a:schemeClr val="accent2"/>
+          </a:fillRef>
+          <a:effectRef idx="1">
+            <a:schemeClr val="accent2"/>
+          </a:effectRef>
+          <a:fontRef idx="minor">
+            <a:schemeClr val="tx1"/>
+          </a:fontRef>
+        </p:style>
+      </p:cxnSp>
+      <p:cxnSp>
+        <p:nvCxnSpPr>
+          <p:cNvPr id="13" name="Gerade Verbindung mit Pfeil 15">
+            <a:extLst>
+              <a:ext uri="{FF2B5EF4-FFF2-40B4-BE49-F238E27FC236}">
+                <a16:creationId xmlns:a16="http://schemas.microsoft.com/office/drawing/2014/main" id="{B8485ECF-B9B8-497F-B065-DCDEB337C67E}"/>
+              </a:ext>
+            </a:extLst>
+          </p:cNvPr>
+          <p:cNvCxnSpPr>
+            <a:stCxn id="7" idx="2"/>
+            <a:endCxn id="10" idx="0"/>
+          </p:cNvCxnSpPr>
+          <p:nvPr/>
+        </p:nvCxnSpPr>
+        <p:spPr>
+          <a:xfrm>
+            <a:off x="4752020" y="4506712"/>
+            <a:ext cx="0" cy="506464"/>
+          </a:xfrm>
+          <a:prstGeom prst="straightConnector1">
+            <a:avLst/>
+          </a:prstGeom>
+          <a:ln>
+            <a:tailEnd type="triangle"/>
+          </a:ln>
+        </p:spPr>
+        <p:style>
+          <a:lnRef idx="2">
+            <a:schemeClr val="accent2"/>
+          </a:lnRef>
+          <a:fillRef idx="0">
+            <a:schemeClr val="accent2"/>
+          </a:fillRef>
+          <a:effectRef idx="1">
+            <a:schemeClr val="accent2"/>
+          </a:effectRef>
+          <a:fontRef idx="minor">
+            <a:schemeClr val="tx1"/>
+          </a:fontRef>
+        </p:style>
+      </p:cxnSp>
+      <p:cxnSp>
+        <p:nvCxnSpPr>
+          <p:cNvPr id="14" name="Verbinder: gewinkelt 19">
+            <a:extLst>
+              <a:ext uri="{FF2B5EF4-FFF2-40B4-BE49-F238E27FC236}">
+                <a16:creationId xmlns:a16="http://schemas.microsoft.com/office/drawing/2014/main" id="{E2934794-6267-4779-9723-54811D106A9A}"/>
+              </a:ext>
+            </a:extLst>
+          </p:cNvPr>
+          <p:cNvCxnSpPr>
+            <a:stCxn id="10" idx="3"/>
+            <a:endCxn id="9" idx="2"/>
+          </p:cNvCxnSpPr>
+          <p:nvPr/>
+        </p:nvCxnSpPr>
+        <p:spPr>
+          <a:xfrm flipV="1">
+            <a:off x="5652120" y="4506712"/>
+            <a:ext cx="1692188" cy="758492"/>
+          </a:xfrm>
+          <a:prstGeom prst="bentConnector2">
+            <a:avLst/>
+          </a:prstGeom>
+          <a:ln>
+            <a:tailEnd type="triangle"/>
+          </a:ln>
+        </p:spPr>
+        <p:style>
+          <a:lnRef idx="2">
+            <a:schemeClr val="accent2"/>
+          </a:lnRef>
+          <a:fillRef idx="0">
+            <a:schemeClr val="accent2"/>
+          </a:fillRef>
+          <a:effectRef idx="1">
+            <a:schemeClr val="accent2"/>
+          </a:effectRef>
+          <a:fontRef idx="minor">
+            <a:schemeClr val="tx1"/>
+          </a:fontRef>
+        </p:style>
+      </p:cxnSp>
     </p:spTree>
     <p:extLst>
       <p:ext uri="{BB962C8B-B14F-4D97-AF65-F5344CB8AC3E}">
-        <p14:creationId xmlns:p14="http://schemas.microsoft.com/office/powerpoint/2010/main" val="757659812"/>
+        <p14:creationId xmlns:p14="http://schemas.microsoft.com/office/powerpoint/2010/main" val="1037772651"/>
       </p:ext>
     </p:extLst>
   </p:cSld>
@@ -2819,6 +3251,177 @@
           <p:cNvPr id="2" name="Title 1">
             <a:extLst>
               <a:ext uri="{FF2B5EF4-FFF2-40B4-BE49-F238E27FC236}">
+                <a16:creationId xmlns:a16="http://schemas.microsoft.com/office/drawing/2014/main" id="{FF4BDE33-65AF-49B6-B4A1-783544BD4B10}"/>
+              </a:ext>
+            </a:extLst>
+          </p:cNvPr>
+          <p:cNvSpPr>
+            <a:spLocks noGrp="1"/>
+          </p:cNvSpPr>
+          <p:nvPr>
+            <p:ph type="title"/>
+          </p:nvPr>
+        </p:nvSpPr>
+        <p:spPr/>
+        <p:txBody>
+          <a:bodyPr/>
+          <a:lstStyle/>
+          <a:p>
+            <a:r>
+              <a:rPr lang="de-DE" dirty="0"/>
+              <a:t>Methods: Step 2</a:t>
+            </a:r>
+          </a:p>
+        </p:txBody>
+      </p:sp>
+      <p:sp>
+        <p:nvSpPr>
+          <p:cNvPr id="3" name="Content Placeholder 2">
+            <a:extLst>
+              <a:ext uri="{FF2B5EF4-FFF2-40B4-BE49-F238E27FC236}">
+                <a16:creationId xmlns:a16="http://schemas.microsoft.com/office/drawing/2014/main" id="{C0254029-A9E0-4EF5-8275-BC19D401AADA}"/>
+              </a:ext>
+            </a:extLst>
+          </p:cNvPr>
+          <p:cNvSpPr>
+            <a:spLocks noGrp="1"/>
+          </p:cNvSpPr>
+          <p:nvPr>
+            <p:ph sz="half" idx="1"/>
+          </p:nvPr>
+        </p:nvSpPr>
+        <p:spPr/>
+        <p:txBody>
+          <a:bodyPr/>
+          <a:lstStyle/>
+          <a:p>
+            <a:pPr>
+              <a:buFontTx/>
+              <a:buChar char="-"/>
+            </a:pPr>
+            <a:r>
+              <a:rPr lang="de-DE" dirty="0"/>
+              <a:t>Creating and training the neuronal network models</a:t>
+            </a:r>
+          </a:p>
+          <a:p>
+            <a:pPr>
+              <a:buFontTx/>
+              <a:buChar char="-"/>
+            </a:pPr>
+            <a:endParaRPr lang="de-DE" dirty="0"/>
+          </a:p>
+          <a:p>
+            <a:pPr>
+              <a:buFontTx/>
+              <a:buChar char="-"/>
+            </a:pPr>
+            <a:r>
+              <a:rPr lang="de-DE" dirty="0"/>
+              <a:t>Validating predictions with already gathered data</a:t>
+            </a:r>
+          </a:p>
+          <a:p>
+            <a:pPr>
+              <a:buFontTx/>
+              <a:buChar char="-"/>
+            </a:pPr>
+            <a:endParaRPr lang="de-DE" dirty="0"/>
+          </a:p>
+          <a:p>
+            <a:pPr>
+              <a:buFontTx/>
+              <a:buChar char="-"/>
+            </a:pPr>
+            <a:r>
+              <a:rPr lang="de-DE" dirty="0"/>
+              <a:t>Tuning of the hyperparameters</a:t>
+            </a:r>
+          </a:p>
+          <a:p>
+            <a:pPr>
+              <a:buFontTx/>
+              <a:buChar char="-"/>
+            </a:pPr>
+            <a:endParaRPr lang="de-DE" dirty="0"/>
+          </a:p>
+          <a:p>
+            <a:pPr>
+              <a:buFontTx/>
+              <a:buChar char="-"/>
+            </a:pPr>
+            <a:r>
+              <a:rPr lang="en-US" dirty="0"/>
+              <a:t>Creation of a Unity application to display the data collected via motion capturing and adapted with the help of the NN</a:t>
+            </a:r>
+            <a:endParaRPr lang="de-DE" dirty="0"/>
+          </a:p>
+        </p:txBody>
+      </p:sp>
+      <p:sp>
+        <p:nvSpPr>
+          <p:cNvPr id="4" name="Slide Number Placeholder 3">
+            <a:extLst>
+              <a:ext uri="{FF2B5EF4-FFF2-40B4-BE49-F238E27FC236}">
+                <a16:creationId xmlns:a16="http://schemas.microsoft.com/office/drawing/2014/main" id="{2CFB653B-07A3-4B79-BF99-035054D0A3B4}"/>
+              </a:ext>
+            </a:extLst>
+          </p:cNvPr>
+          <p:cNvSpPr>
+            <a:spLocks noGrp="1"/>
+          </p:cNvSpPr>
+          <p:nvPr>
+            <p:ph type="sldNum" sz="quarter" idx="10"/>
+          </p:nvPr>
+        </p:nvSpPr>
+        <p:spPr/>
+        <p:txBody>
+          <a:bodyPr/>
+          <a:lstStyle/>
+          <a:p>
+            <a:fld id="{9BBAE405-9238-4745-AB75-58013C9D9462}" type="slidenum">
+              <a:rPr lang="de-DE" smtClean="0"/>
+              <a:t>3</a:t>
+            </a:fld>
+            <a:endParaRPr lang="de-DE" dirty="0"/>
+          </a:p>
+        </p:txBody>
+      </p:sp>
+    </p:spTree>
+    <p:extLst>
+      <p:ext uri="{BB962C8B-B14F-4D97-AF65-F5344CB8AC3E}">
+        <p14:creationId xmlns:p14="http://schemas.microsoft.com/office/powerpoint/2010/main" val="757659812"/>
+      </p:ext>
+    </p:extLst>
+  </p:cSld>
+  <p:clrMapOvr>
+    <a:masterClrMapping/>
+  </p:clrMapOvr>
+</p:sld>
+</file>
+
+<file path=ppt/slides/slide4.xml><?xml version="1.0" encoding="utf-8"?>
+<p:sld xmlns:a="http://schemas.openxmlformats.org/drawingml/2006/main" xmlns:r="http://schemas.openxmlformats.org/officeDocument/2006/relationships" xmlns:p="http://schemas.openxmlformats.org/presentationml/2006/main">
+  <p:cSld>
+    <p:spTree>
+      <p:nvGrpSpPr>
+        <p:cNvPr id="1" name=""/>
+        <p:cNvGrpSpPr/>
+        <p:nvPr/>
+      </p:nvGrpSpPr>
+      <p:grpSpPr>
+        <a:xfrm>
+          <a:off x="0" y="0"/>
+          <a:ext cx="0" cy="0"/>
+          <a:chOff x="0" y="0"/>
+          <a:chExt cx="0" cy="0"/>
+        </a:xfrm>
+      </p:grpSpPr>
+      <p:sp>
+        <p:nvSpPr>
+          <p:cNvPr id="2" name="Title 1">
+            <a:extLst>
+              <a:ext uri="{FF2B5EF4-FFF2-40B4-BE49-F238E27FC236}">
                 <a16:creationId xmlns:a16="http://schemas.microsoft.com/office/drawing/2014/main" id="{5D7CD78F-ACAA-4782-A009-C2D0C53D2106}"/>
               </a:ext>
             </a:extLst>
@@ -2867,6 +3470,13 @@
               <a:buFontTx/>
               <a:buChar char="-"/>
             </a:pPr>
+            <a:endParaRPr lang="de-DE" dirty="0"/>
+          </a:p>
+          <a:p>
+            <a:pPr>
+              <a:buFontTx/>
+              <a:buChar char="-"/>
+            </a:pPr>
             <a:r>
               <a:rPr lang="de-DE" dirty="0"/>
               <a:t>Conducting user study for performance measuring</a:t>
@@ -2880,13 +3490,17 @@
             <a:endParaRPr lang="de-DE" dirty="0"/>
           </a:p>
           <a:p>
+            <a:pPr marL="457200" lvl="1" indent="0"/>
+            <a:endParaRPr lang="de-DE" dirty="0"/>
+          </a:p>
+          <a:p>
             <a:pPr lvl="1">
               <a:buFontTx/>
               <a:buChar char="-"/>
             </a:pPr>
             <a:r>
               <a:rPr lang="de-DE" dirty="0"/>
-              <a:t>Fitts law task in VR</a:t>
+              <a:t>Level of presence</a:t>
             </a:r>
           </a:p>
           <a:p>
@@ -2895,16 +3509,6 @@
               <a:buChar char="-"/>
             </a:pPr>
             <a:endParaRPr lang="de-DE" dirty="0"/>
-          </a:p>
-          <a:p>
-            <a:pPr lvl="1">
-              <a:buFontTx/>
-              <a:buChar char="-"/>
-            </a:pPr>
-            <a:r>
-              <a:rPr lang="de-DE" dirty="0"/>
-              <a:t>Level of presence</a:t>
-            </a:r>
           </a:p>
           <a:p>
             <a:pPr lvl="1">
@@ -2948,7 +3552,7 @@
           <a:p>
             <a:fld id="{9BBAE405-9238-4745-AB75-58013C9D9462}" type="slidenum">
               <a:rPr lang="de-DE" smtClean="0"/>
-              <a:t>3</a:t>
+              <a:t>4</a:t>
             </a:fld>
             <a:endParaRPr lang="de-DE" dirty="0"/>
           </a:p>
